--- a/jpeg_paper/Implicit Dual-domain Convolutional Network for Robust Color Image Compression Artifact Reduction.pptx
+++ b/jpeg_paper/Implicit Dual-domain Convolutional Network for Robust Color Image Compression Artifact Reduction.pptx
@@ -4,8 +4,14 @@
   <p:sldMasterIdLst>
     <p:sldMasterId id="2147483648" r:id="rId1"/>
   </p:sldMasterIdLst>
+  <p:sldIdLst>
+    <p:sldId id="256" r:id="rId3"/>
+  </p:sldIdLst>
   <p:sldSz cx="12192000" cy="6858000"/>
   <p:notesSz cx="6858000" cy="9144000"/>
+  <p:custDataLst>
+    <p:tags r:id="rId7"/>
+  </p:custDataLst>
   <p:defaultTextStyle>
     <a:defPPr>
       <a:defRPr lang="zh-CN"/>
@@ -2901,6 +2907,30 @@
 </p:sldMaster>
 </file>
 
+<file path=ppt/slides/slide1.xml><?xml version="1.0" encoding="utf-8"?>
+<p:sld xmlns:a="http://schemas.openxmlformats.org/drawingml/2006/main" xmlns:r="http://schemas.openxmlformats.org/officeDocument/2006/relationships" xmlns:p="http://schemas.openxmlformats.org/presentationml/2006/main">
+  <p:cSld>
+    <p:spTree>
+      <p:nvGrpSpPr>
+        <p:cNvPr id="1" name=""/>
+        <p:cNvGrpSpPr/>
+        <p:nvPr/>
+      </p:nvGrpSpPr>
+      <p:grpSpPr/>
+    </p:spTree>
+  </p:cSld>
+  <p:clrMapOvr>
+    <a:masterClrMapping/>
+  </p:clrMapOvr>
+</p:sld>
+</file>
+
+<file path=ppt/tags/tag1.xml><?xml version="1.0" encoding="utf-8"?>
+<p:tagLst xmlns:p="http://schemas.openxmlformats.org/presentationml/2006/main">
+  <p:tag name="commondata" val="eyJoZGlkIjoiYmIwNDJkNTkwMDk1ZWIxMmZkNmE4YzNkNDEzMDJkZWUifQ=="/>
+</p:tagLst>
+</file>
+
 <file path=ppt/theme/theme1.xml><?xml version="1.0" encoding="utf-8"?>
 <a:theme xmlns:a="http://schemas.openxmlformats.org/drawingml/2006/main" name="WPS">
   <a:themeElements>
